--- a/public/ver_full_rf_a/Stimuli/Paul_Instructions.pptx
+++ b/public/ver_full_rf_a/Stimuli/Paul_Instructions.pptx
@@ -216,7 +216,7 @@
           <a:p>
             <a:fld id="{3192A44D-4A7C-7F48-9549-99DB465B055C}" type="datetimeFigureOut">
               <a:rPr lang="en-US" smtClean="0"/>
-              <a:t>9/4/20</a:t>
+              <a:t>9/28/20</a:t>
             </a:fld>
             <a:endParaRPr lang="en-US"/>
           </a:p>
@@ -746,7 +746,7 @@
           <a:p>
             <a:fld id="{BB31085E-388F-BE40-B147-0BFB91CD71E7}" type="datetimeFigureOut">
               <a:rPr lang="en-US" smtClean="0"/>
-              <a:t>9/4/20</a:t>
+              <a:t>9/28/20</a:t>
             </a:fld>
             <a:endParaRPr lang="en-US"/>
           </a:p>
@@ -914,7 +914,7 @@
           <a:p>
             <a:fld id="{BB31085E-388F-BE40-B147-0BFB91CD71E7}" type="datetimeFigureOut">
               <a:rPr lang="en-US" smtClean="0"/>
-              <a:t>9/4/20</a:t>
+              <a:t>9/28/20</a:t>
             </a:fld>
             <a:endParaRPr lang="en-US"/>
           </a:p>
@@ -1092,7 +1092,7 @@
           <a:p>
             <a:fld id="{BB31085E-388F-BE40-B147-0BFB91CD71E7}" type="datetimeFigureOut">
               <a:rPr lang="en-US" smtClean="0"/>
-              <a:t>9/4/20</a:t>
+              <a:t>9/28/20</a:t>
             </a:fld>
             <a:endParaRPr lang="en-US"/>
           </a:p>
@@ -1260,7 +1260,7 @@
           <a:p>
             <a:fld id="{BB31085E-388F-BE40-B147-0BFB91CD71E7}" type="datetimeFigureOut">
               <a:rPr lang="en-US" smtClean="0"/>
-              <a:t>9/4/20</a:t>
+              <a:t>9/28/20</a:t>
             </a:fld>
             <a:endParaRPr lang="en-US"/>
           </a:p>
@@ -1505,7 +1505,7 @@
           <a:p>
             <a:fld id="{BB31085E-388F-BE40-B147-0BFB91CD71E7}" type="datetimeFigureOut">
               <a:rPr lang="en-US" smtClean="0"/>
-              <a:t>9/4/20</a:t>
+              <a:t>9/28/20</a:t>
             </a:fld>
             <a:endParaRPr lang="en-US"/>
           </a:p>
@@ -1790,7 +1790,7 @@
           <a:p>
             <a:fld id="{BB31085E-388F-BE40-B147-0BFB91CD71E7}" type="datetimeFigureOut">
               <a:rPr lang="en-US" smtClean="0"/>
-              <a:t>9/4/20</a:t>
+              <a:t>9/28/20</a:t>
             </a:fld>
             <a:endParaRPr lang="en-US"/>
           </a:p>
@@ -2209,7 +2209,7 @@
           <a:p>
             <a:fld id="{BB31085E-388F-BE40-B147-0BFB91CD71E7}" type="datetimeFigureOut">
               <a:rPr lang="en-US" smtClean="0"/>
-              <a:t>9/4/20</a:t>
+              <a:t>9/28/20</a:t>
             </a:fld>
             <a:endParaRPr lang="en-US"/>
           </a:p>
@@ -2326,7 +2326,7 @@
           <a:p>
             <a:fld id="{BB31085E-388F-BE40-B147-0BFB91CD71E7}" type="datetimeFigureOut">
               <a:rPr lang="en-US" smtClean="0"/>
-              <a:t>9/4/20</a:t>
+              <a:t>9/28/20</a:t>
             </a:fld>
             <a:endParaRPr lang="en-US"/>
           </a:p>
@@ -2421,7 +2421,7 @@
           <a:p>
             <a:fld id="{BB31085E-388F-BE40-B147-0BFB91CD71E7}" type="datetimeFigureOut">
               <a:rPr lang="en-US" smtClean="0"/>
-              <a:t>9/4/20</a:t>
+              <a:t>9/28/20</a:t>
             </a:fld>
             <a:endParaRPr lang="en-US"/>
           </a:p>
@@ -2696,7 +2696,7 @@
           <a:p>
             <a:fld id="{BB31085E-388F-BE40-B147-0BFB91CD71E7}" type="datetimeFigureOut">
               <a:rPr lang="en-US" smtClean="0"/>
-              <a:t>9/4/20</a:t>
+              <a:t>9/28/20</a:t>
             </a:fld>
             <a:endParaRPr lang="en-US"/>
           </a:p>
@@ -2948,7 +2948,7 @@
           <a:p>
             <a:fld id="{BB31085E-388F-BE40-B147-0BFB91CD71E7}" type="datetimeFigureOut">
               <a:rPr lang="en-US" smtClean="0"/>
-              <a:t>9/4/20</a:t>
+              <a:t>9/28/20</a:t>
             </a:fld>
             <a:endParaRPr lang="en-US"/>
           </a:p>
@@ -3159,7 +3159,7 @@
           <a:p>
             <a:fld id="{BB31085E-388F-BE40-B147-0BFB91CD71E7}" type="datetimeFigureOut">
               <a:rPr lang="en-US" smtClean="0"/>
-              <a:t>9/4/20</a:t>
+              <a:t>9/28/20</a:t>
             </a:fld>
             <a:endParaRPr lang="en-US"/>
           </a:p>
@@ -3550,11 +3550,11 @@
           <a:lstStyle/>
           <a:p>
             <a:r>
-              <a:rPr lang="en-US" dirty="0" smtClean="0"/>
+              <a:rPr lang="en-US" dirty="0"/>
               <a:t>We’ll now start the </a:t>
             </a:r>
             <a:r>
-              <a:rPr lang="en-US" smtClean="0"/>
+              <a:rPr lang="en-US"/>
               <a:t>main task.</a:t>
             </a:r>
             <a:endParaRPr lang="en-US" dirty="0"/>
@@ -4808,7 +4808,7 @@
           <a:p>
             <a:r>
               <a:rPr lang="en-US" sz="2400" dirty="0"/>
-              <a:t> -3</a:t>
+              <a:t> -1</a:t>
             </a:r>
             <a:endParaRPr lang="en-US" sz="2400" dirty="0">
               <a:solidFill>
@@ -4823,7 +4823,7 @@
                   <a:srgbClr val="FFD208"/>
                 </a:solidFill>
               </a:rPr>
-              <a:t>  3</a:t>
+              <a:t>  1</a:t>
             </a:r>
           </a:p>
         </p:txBody>
@@ -4851,7 +4851,7 @@
           <a:p>
             <a:r>
               <a:rPr lang="en-US" sz="1600" dirty="0"/>
-              <a:t>On this example decision, encountering the black alien would provide 6 minerals, encountering  and encountering  gold alien would take away 3 minerals.</a:t>
+              <a:t>On this example decision, encountering the black alien would take away 1 minerals, and encountering  gold alien would provide 1 mineral.</a:t>
             </a:r>
           </a:p>
         </p:txBody>
@@ -5006,7 +5006,7 @@
           <a:p>
             <a:r>
               <a:rPr lang="en-US" sz="1600" dirty="0"/>
-              <a:t>On this example decision, the right door was activated. The black and gold aliens were encountered. The black alien took away 3 minerals and the gold provided 3 minerals. In total, you didn’t gain any minerals.</a:t>
+              <a:t>On this example decision, the right door was activated. The black and gold aliens were encountered. The black alien took away 1 mineral and the gold provided 1 minerals. In total, you didn’t gain any minerals.</a:t>
             </a:r>
           </a:p>
         </p:txBody>
@@ -5137,7 +5137,7 @@
                   <a:schemeClr val="bg1"/>
                 </a:solidFill>
               </a:rPr>
-              <a:t>-3</a:t>
+              <a:t>-1</a:t>
             </a:r>
           </a:p>
         </p:txBody>
@@ -5175,7 +5175,7 @@
                   <a:schemeClr val="bg1"/>
                 </a:solidFill>
               </a:rPr>
-              <a:t>3</a:t>
+              <a:t>1</a:t>
             </a:r>
           </a:p>
         </p:txBody>
@@ -5540,7 +5540,7 @@
                   <a:schemeClr val="bg1"/>
                 </a:solidFill>
               </a:rPr>
-              <a:t>-3</a:t>
+              <a:t>-1</a:t>
             </a:r>
           </a:p>
         </p:txBody>
@@ -5572,39 +5572,7 @@
                   <a:schemeClr val="bg1"/>
                 </a:solidFill>
               </a:rPr>
-              <a:t>3</a:t>
-            </a:r>
-          </a:p>
-        </p:txBody>
-      </p:sp>
-      <p:sp>
-        <p:nvSpPr>
-          <p:cNvPr id="28" name="Rectangle 27"/>
-          <p:cNvSpPr/>
-          <p:nvPr/>
-        </p:nvSpPr>
-        <p:spPr>
-          <a:xfrm>
-            <a:off x="8221311" y="4232655"/>
-            <a:ext cx="226410" cy="369332"/>
-          </a:xfrm>
-          <a:prstGeom prst="rect">
-            <a:avLst/>
-          </a:prstGeom>
-        </p:spPr>
-        <p:txBody>
-          <a:bodyPr wrap="square">
-            <a:spAutoFit/>
-          </a:bodyPr>
-          <a:lstStyle/>
-          <a:p>
-            <a:r>
-              <a:rPr lang="en-US" dirty="0">
-                <a:solidFill>
-                  <a:schemeClr val="bg1"/>
-                </a:solidFill>
-              </a:rPr>
-              <a:t>3</a:t>
+              <a:t>1</a:t>
             </a:r>
           </a:p>
         </p:txBody>
@@ -5824,7 +5792,7 @@
         </p:nvSpPr>
         <p:spPr>
           <a:xfrm>
-            <a:off x="7943375" y="4197118"/>
+            <a:off x="7670781" y="4313073"/>
             <a:ext cx="890689" cy="369332"/>
           </a:xfrm>
           <a:prstGeom prst="rect">
@@ -5925,7 +5893,7 @@
           </a:p>
           <a:p>
             <a:r>
-              <a:rPr lang="en-US"/>
+              <a:rPr lang="en-US" dirty="0"/>
               <a:t>You will need to pass a quiz on the instructions to begin the task.</a:t>
             </a:r>
           </a:p>
